--- a/apresentação/presentation.pptx
+++ b/apresentação/presentation.pptx
@@ -269,7 +269,6 @@
             </c:dLbl>
             <c:dLbl>
               <c:idx val="1"/>
-              <c:layout/>
               <c:tx>
                 <c:rich>
                   <a:bodyPr rot="0" spcFirstLastPara="1" vertOverflow="overflow" horzOverflow="overflow" vert="horz" wrap="square" lIns="38100" tIns="19050" rIns="38100" bIns="19050" anchor="ctr" anchorCtr="1">
@@ -385,7 +384,6 @@
             </c:dLbl>
             <c:dLbl>
               <c:idx val="2"/>
-              <c:layout/>
               <c:spPr>
                 <a:noFill/>
                 <a:ln>
@@ -420,9 +418,7 @@
               <c:showPercent val="0"/>
               <c:showBubbleSize val="0"/>
               <c:extLst>
-                <c:ext xmlns:c15="http://schemas.microsoft.com/office/drawing/2012/chart" uri="{CE6537A1-D6FC-4f65-9D91-7224C49458BB}">
-                  <c15:layout/>
-                </c:ext>
+                <c:ext xmlns:c15="http://schemas.microsoft.com/office/drawing/2012/chart" uri="{CE6537A1-D6FC-4f65-9D91-7224C49458BB}"/>
               </c:extLst>
             </c:dLbl>
             <c:spPr>
@@ -2154,239 +2150,6 @@
       <dsp:cNvGrpSpPr/>
     </dsp:nvGrpSpPr>
     <dsp:grpSpPr/>
-    <dsp:sp modelId="{04653A77-0981-45A0-B05D-8EE8BCB16674}">
-      <dsp:nvSpPr>
-        <dsp:cNvPr id="0" name=""/>
-        <dsp:cNvSpPr/>
-      </dsp:nvSpPr>
-      <dsp:spPr>
-        <a:xfrm>
-          <a:off x="5584" y="0"/>
-          <a:ext cx="2257983" cy="4022725"/>
-        </a:xfrm>
-        <a:prstGeom prst="roundRect">
-          <a:avLst>
-            <a:gd name="adj" fmla="val 10000"/>
-          </a:avLst>
-        </a:prstGeom>
-        <a:noFill/>
-        <a:ln w="15875" cap="flat" cmpd="sng" algn="ctr">
-          <a:solidFill>
-            <a:srgbClr val="8C2D19"/>
-          </a:solidFill>
-          <a:prstDash val="solid"/>
-        </a:ln>
-        <a:effectLst/>
-      </dsp:spPr>
-      <dsp:style>
-        <a:lnRef idx="2">
-          <a:scrgbClr r="0" g="0" b="0"/>
-        </a:lnRef>
-        <a:fillRef idx="1">
-          <a:scrgbClr r="0" g="0" b="0"/>
-        </a:fillRef>
-        <a:effectRef idx="0">
-          <a:scrgbClr r="0" g="0" b="0"/>
-        </a:effectRef>
-        <a:fontRef idx="minor">
-          <a:schemeClr val="lt1"/>
-        </a:fontRef>
-      </dsp:style>
-      <dsp:txBody>
-        <a:bodyPr spcFirstLastPara="0" vert="horz" wrap="square" lIns="121920" tIns="121920" rIns="121920" bIns="121920" numCol="1" spcCol="1270" anchor="ctr" anchorCtr="0">
-          <a:noAutofit/>
-        </a:bodyPr>
-        <a:lstStyle/>
-        <a:p>
-          <a:pPr lvl="0" algn="ctr" defTabSz="1422400">
-            <a:lnSpc>
-              <a:spcPct val="90000"/>
-            </a:lnSpc>
-            <a:spcBef>
-              <a:spcPct val="0"/>
-            </a:spcBef>
-            <a:spcAft>
-              <a:spcPct val="35000"/>
-            </a:spcAft>
-          </a:pPr>
-          <a:r>
-            <a:rPr lang="pt-PT" sz="3200" kern="1200" dirty="0" smtClean="0">
-              <a:solidFill>
-                <a:srgbClr val="8C2D19"/>
-              </a:solidFill>
-            </a:rPr>
-            <a:t>Testes Iterativos</a:t>
-          </a:r>
-          <a:endParaRPr lang="pt-PT" sz="3200" kern="1200" dirty="0">
-            <a:solidFill>
-              <a:srgbClr val="8C2D19"/>
-            </a:solidFill>
-          </a:endParaRPr>
-        </a:p>
-      </dsp:txBody>
-      <dsp:txXfrm>
-        <a:off x="71718" y="66134"/>
-        <a:ext cx="2125715" cy="3890457"/>
-      </dsp:txXfrm>
-    </dsp:sp>
-    <dsp:sp modelId="{46921B3E-4EEC-419F-B9CC-D9069B74EACB}">
-      <dsp:nvSpPr>
-        <dsp:cNvPr id="0" name=""/>
-        <dsp:cNvSpPr/>
-      </dsp:nvSpPr>
-      <dsp:spPr>
-        <a:xfrm>
-          <a:off x="2642908" y="0"/>
-          <a:ext cx="2257983" cy="4022725"/>
-        </a:xfrm>
-        <a:prstGeom prst="roundRect">
-          <a:avLst>
-            <a:gd name="adj" fmla="val 10000"/>
-          </a:avLst>
-        </a:prstGeom>
-        <a:noFill/>
-        <a:ln w="15875" cap="flat" cmpd="sng" algn="ctr">
-          <a:solidFill>
-            <a:srgbClr val="8C2D19"/>
-          </a:solidFill>
-          <a:prstDash val="solid"/>
-        </a:ln>
-        <a:effectLst/>
-      </dsp:spPr>
-      <dsp:style>
-        <a:lnRef idx="2">
-          <a:scrgbClr r="0" g="0" b="0"/>
-        </a:lnRef>
-        <a:fillRef idx="1">
-          <a:scrgbClr r="0" g="0" b="0"/>
-        </a:fillRef>
-        <a:effectRef idx="0">
-          <a:scrgbClr r="0" g="0" b="0"/>
-        </a:effectRef>
-        <a:fontRef idx="minor">
-          <a:schemeClr val="lt1"/>
-        </a:fontRef>
-      </dsp:style>
-      <dsp:txBody>
-        <a:bodyPr spcFirstLastPara="0" vert="horz" wrap="square" lIns="121920" tIns="121920" rIns="121920" bIns="121920" numCol="1" spcCol="1270" anchor="ctr" anchorCtr="0">
-          <a:noAutofit/>
-        </a:bodyPr>
-        <a:lstStyle/>
-        <a:p>
-          <a:pPr lvl="0" algn="ctr" defTabSz="1422400">
-            <a:lnSpc>
-              <a:spcPct val="90000"/>
-            </a:lnSpc>
-            <a:spcBef>
-              <a:spcPct val="0"/>
-            </a:spcBef>
-            <a:spcAft>
-              <a:spcPct val="35000"/>
-            </a:spcAft>
-          </a:pPr>
-          <a:r>
-            <a:rPr lang="pt-PT" sz="3200" kern="1200" dirty="0" smtClean="0">
-              <a:solidFill>
-                <a:srgbClr val="8C2D19"/>
-              </a:solidFill>
-            </a:rPr>
-            <a:t>Testes à </a:t>
-          </a:r>
-          <a:r>
-            <a:rPr lang="pt-PT" sz="3200" i="1" kern="1200" dirty="0" smtClean="0">
-              <a:solidFill>
-                <a:srgbClr val="8C2D19"/>
-              </a:solidFill>
-            </a:rPr>
-            <a:t>Framework</a:t>
-          </a:r>
-          <a:endParaRPr lang="pt-PT" sz="3200" i="1" kern="1200" dirty="0">
-            <a:solidFill>
-              <a:srgbClr val="8C2D19"/>
-            </a:solidFill>
-          </a:endParaRPr>
-        </a:p>
-      </dsp:txBody>
-      <dsp:txXfrm>
-        <a:off x="2709042" y="66134"/>
-        <a:ext cx="2125715" cy="3890457"/>
-      </dsp:txXfrm>
-    </dsp:sp>
-    <dsp:sp modelId="{EC69DD3A-AC1F-48A4-B38E-77E6D2AF3CE0}">
-      <dsp:nvSpPr>
-        <dsp:cNvPr id="0" name=""/>
-        <dsp:cNvSpPr/>
-      </dsp:nvSpPr>
-      <dsp:spPr>
-        <a:xfrm>
-          <a:off x="5280232" y="0"/>
-          <a:ext cx="2257983" cy="4022725"/>
-        </a:xfrm>
-        <a:prstGeom prst="roundRect">
-          <a:avLst>
-            <a:gd name="adj" fmla="val 10000"/>
-          </a:avLst>
-        </a:prstGeom>
-        <a:noFill/>
-        <a:ln w="15875" cap="flat" cmpd="sng" algn="ctr">
-          <a:solidFill>
-            <a:srgbClr val="8C2D19"/>
-          </a:solidFill>
-          <a:prstDash val="solid"/>
-        </a:ln>
-        <a:effectLst/>
-      </dsp:spPr>
-      <dsp:style>
-        <a:lnRef idx="2">
-          <a:scrgbClr r="0" g="0" b="0"/>
-        </a:lnRef>
-        <a:fillRef idx="1">
-          <a:scrgbClr r="0" g="0" b="0"/>
-        </a:fillRef>
-        <a:effectRef idx="0">
-          <a:scrgbClr r="0" g="0" b="0"/>
-        </a:effectRef>
-        <a:fontRef idx="minor">
-          <a:schemeClr val="lt1"/>
-        </a:fontRef>
-      </dsp:style>
-      <dsp:txBody>
-        <a:bodyPr spcFirstLastPara="0" vert="horz" wrap="square" lIns="121920" tIns="121920" rIns="121920" bIns="121920" numCol="1" spcCol="1270" anchor="ctr" anchorCtr="0">
-          <a:noAutofit/>
-        </a:bodyPr>
-        <a:lstStyle/>
-        <a:p>
-          <a:pPr lvl="0" algn="ctr" defTabSz="1422400">
-            <a:lnSpc>
-              <a:spcPct val="90000"/>
-            </a:lnSpc>
-            <a:spcBef>
-              <a:spcPct val="0"/>
-            </a:spcBef>
-            <a:spcAft>
-              <a:spcPct val="35000"/>
-            </a:spcAft>
-          </a:pPr>
-          <a:r>
-            <a:rPr lang="pt-PT" sz="3200" kern="1200" dirty="0" smtClean="0">
-              <a:solidFill>
-                <a:srgbClr val="8C2D19"/>
-              </a:solidFill>
-            </a:rPr>
-            <a:t>Testes Públicos</a:t>
-          </a:r>
-          <a:endParaRPr lang="pt-PT" sz="3200" kern="1200" dirty="0">
-            <a:solidFill>
-              <a:srgbClr val="8C2D19"/>
-            </a:solidFill>
-          </a:endParaRPr>
-        </a:p>
-      </dsp:txBody>
-      <dsp:txXfrm>
-        <a:off x="5346366" y="66134"/>
-        <a:ext cx="2125715" cy="3890457"/>
-      </dsp:txXfrm>
-    </dsp:sp>
   </dsp:spTree>
 </dsp:drawing>
 </file>
@@ -4030,7 +3793,7 @@
             <a:fld id="{783B1857-CB9B-4E49-AA31-E5D39FDDA70B}" type="datetimeFigureOut">
               <a:rPr lang="pt-PT" smtClean="0"/>
               <a:pPr/>
-              <a:t>17/07/2014</a:t>
+              <a:t>18/07/2014</a:t>
             </a:fld>
             <a:endParaRPr lang="pt-PT"/>
           </a:p>
@@ -4197,7 +3960,7 @@
             <a:fld id="{4BF2E3F2-E319-46A9-B745-5C1C54D9D715}" type="datetimeFigureOut">
               <a:rPr lang="pt-PT" smtClean="0"/>
               <a:pPr/>
-              <a:t>17/07/2014</a:t>
+              <a:t>18/07/2014</a:t>
             </a:fld>
             <a:endParaRPr lang="pt-PT"/>
           </a:p>
@@ -6877,7 +6640,7 @@
           <a:p>
             <a:fld id="{90E27FA9-5712-41F4-B41A-3281CC9FE9E7}" type="datetime1">
               <a:rPr lang="pt-PT" smtClean="0"/>
-              <a:t>17/07/2014</a:t>
+              <a:t>18/07/2014</a:t>
             </a:fld>
             <a:endParaRPr lang="pt-PT"/>
           </a:p>
@@ -7113,7 +6876,7 @@
           <a:p>
             <a:fld id="{1BCA8428-D40C-4D1D-A163-FE4F522CF1E0}" type="datetime1">
               <a:rPr lang="pt-PT" smtClean="0"/>
-              <a:t>17/07/2014</a:t>
+              <a:t>18/07/2014</a:t>
             </a:fld>
             <a:endParaRPr lang="pt-PT"/>
           </a:p>
@@ -7374,7 +7137,7 @@
           <a:p>
             <a:fld id="{C138954F-660E-459F-8B99-061BCE17A2E1}" type="datetime1">
               <a:rPr lang="pt-PT" smtClean="0"/>
-              <a:t>17/07/2014</a:t>
+              <a:t>18/07/2014</a:t>
             </a:fld>
             <a:endParaRPr lang="pt-PT"/>
           </a:p>
@@ -7587,7 +7350,7 @@
           <a:p>
             <a:fld id="{80470AB6-E704-4517-95E6-00C3B102EA6E}" type="datetime1">
               <a:rPr lang="pt-PT" smtClean="0"/>
-              <a:t>17/07/2014</a:t>
+              <a:t>18/07/2014</a:t>
             </a:fld>
             <a:endParaRPr lang="pt-PT"/>
           </a:p>
@@ -7897,7 +7660,7 @@
           <a:p>
             <a:fld id="{A15556E4-0D87-4EA8-9F33-8085072971E2}" type="datetime1">
               <a:rPr lang="pt-PT" smtClean="0"/>
-              <a:t>17/07/2014</a:t>
+              <a:t>18/07/2014</a:t>
             </a:fld>
             <a:endParaRPr lang="pt-PT"/>
           </a:p>
@@ -8177,7 +7940,7 @@
           <a:p>
             <a:fld id="{8B3CC3FC-ABC3-4F68-AF32-4CE5669F8E64}" type="datetime1">
               <a:rPr lang="pt-PT" smtClean="0"/>
-              <a:t>17/07/2014</a:t>
+              <a:t>18/07/2014</a:t>
             </a:fld>
             <a:endParaRPr lang="pt-PT"/>
           </a:p>
@@ -8561,7 +8324,7 @@
           <a:p>
             <a:fld id="{0364D84F-2BDB-4974-AD88-DC94F9A76100}" type="datetime1">
               <a:rPr lang="pt-PT" smtClean="0"/>
-              <a:t>17/07/2014</a:t>
+              <a:t>18/07/2014</a:t>
             </a:fld>
             <a:endParaRPr lang="pt-PT"/>
           </a:p>
@@ -8684,7 +8447,7 @@
           <a:p>
             <a:fld id="{4B370B5C-4A93-4ED2-BF26-78074C128FF6}" type="datetime1">
               <a:rPr lang="pt-PT" smtClean="0"/>
-              <a:t>17/07/2014</a:t>
+              <a:t>18/07/2014</a:t>
             </a:fld>
             <a:endParaRPr lang="pt-PT"/>
           </a:p>
@@ -8822,7 +8585,7 @@
           <a:p>
             <a:fld id="{B8E7A2B2-C813-4CEA-AAF2-811484441E7C}" type="datetime1">
               <a:rPr lang="pt-PT" smtClean="0"/>
-              <a:t>17/07/2014</a:t>
+              <a:t>18/07/2014</a:t>
             </a:fld>
             <a:endParaRPr lang="pt-PT"/>
           </a:p>
@@ -9181,7 +8944,7 @@
           <a:p>
             <a:fld id="{36D2D438-A4EF-454A-B757-F3136423F8CE}" type="datetime1">
               <a:rPr lang="pt-PT" smtClean="0"/>
-              <a:t>17/07/2014</a:t>
+              <a:t>18/07/2014</a:t>
             </a:fld>
             <a:endParaRPr lang="pt-PT"/>
           </a:p>
@@ -9568,7 +9331,7 @@
           <a:p>
             <a:fld id="{BE8BF192-6E0B-433B-84A5-1D1005CB35C2}" type="datetime1">
               <a:rPr lang="pt-PT" smtClean="0"/>
-              <a:t>17/07/2014</a:t>
+              <a:t>18/07/2014</a:t>
             </a:fld>
             <a:endParaRPr lang="pt-PT"/>
           </a:p>
@@ -9822,7 +9585,7 @@
           <a:p>
             <a:fld id="{50447311-27A7-4A55-BC6E-98E4BF17DC08}" type="datetime1">
               <a:rPr lang="pt-PT" smtClean="0"/>
-              <a:t>17/07/2014</a:t>
+              <a:t>18/07/2014</a:t>
             </a:fld>
             <a:endParaRPr lang="pt-PT" dirty="0"/>
           </a:p>
@@ -14202,15 +13965,7 @@
                   <a:schemeClr val="tx1"/>
                 </a:solidFill>
               </a:rPr>
-              <a:t>Implementar </a:t>
-            </a:r>
-            <a:r>
-              <a:rPr lang="pt-PT" sz="2400" dirty="0" smtClean="0">
-                <a:solidFill>
-                  <a:schemeClr val="tx1"/>
-                </a:solidFill>
-              </a:rPr>
-              <a:t>mais exemplos de aplicações;</a:t>
+              <a:t>Implementar mais exemplos de aplicações;</a:t>
             </a:r>
           </a:p>
           <a:p>
